--- a/2023AI金融科技競賽/附件五_決賽簡報格式.pptx
+++ b/2023AI金融科技競賽/附件五_決賽簡報格式.pptx
@@ -268,7 +268,7 @@
           <a:p>
             <a:fld id="{500F59F6-3BC6-4661-9F95-E1337A7C8479}" type="datetimeFigureOut">
               <a:rPr lang="zh-TW" altLang="en-US" smtClean="0"/>
-              <a:t>2023/9/14</a:t>
+              <a:t>2023/11/10</a:t>
             </a:fld>
             <a:endParaRPr lang="zh-TW" altLang="en-US"/>
           </a:p>
@@ -466,7 +466,7 @@
           <a:p>
             <a:fld id="{500F59F6-3BC6-4661-9F95-E1337A7C8479}" type="datetimeFigureOut">
               <a:rPr lang="zh-TW" altLang="en-US" smtClean="0"/>
-              <a:t>2023/9/14</a:t>
+              <a:t>2023/11/10</a:t>
             </a:fld>
             <a:endParaRPr lang="zh-TW" altLang="en-US"/>
           </a:p>
@@ -674,7 +674,7 @@
           <a:p>
             <a:fld id="{500F59F6-3BC6-4661-9F95-E1337A7C8479}" type="datetimeFigureOut">
               <a:rPr lang="zh-TW" altLang="en-US" smtClean="0"/>
-              <a:t>2023/9/14</a:t>
+              <a:t>2023/11/10</a:t>
             </a:fld>
             <a:endParaRPr lang="zh-TW" altLang="en-US"/>
           </a:p>
@@ -872,7 +872,7 @@
           <a:p>
             <a:fld id="{500F59F6-3BC6-4661-9F95-E1337A7C8479}" type="datetimeFigureOut">
               <a:rPr lang="zh-TW" altLang="en-US" smtClean="0"/>
-              <a:t>2023/9/14</a:t>
+              <a:t>2023/11/10</a:t>
             </a:fld>
             <a:endParaRPr lang="zh-TW" altLang="en-US"/>
           </a:p>
@@ -1147,7 +1147,7 @@
           <a:p>
             <a:fld id="{500F59F6-3BC6-4661-9F95-E1337A7C8479}" type="datetimeFigureOut">
               <a:rPr lang="zh-TW" altLang="en-US" smtClean="0"/>
-              <a:t>2023/9/14</a:t>
+              <a:t>2023/11/10</a:t>
             </a:fld>
             <a:endParaRPr lang="zh-TW" altLang="en-US"/>
           </a:p>
@@ -1412,7 +1412,7 @@
           <a:p>
             <a:fld id="{500F59F6-3BC6-4661-9F95-E1337A7C8479}" type="datetimeFigureOut">
               <a:rPr lang="zh-TW" altLang="en-US" smtClean="0"/>
-              <a:t>2023/9/14</a:t>
+              <a:t>2023/11/10</a:t>
             </a:fld>
             <a:endParaRPr lang="zh-TW" altLang="en-US"/>
           </a:p>
@@ -1824,7 +1824,7 @@
           <a:p>
             <a:fld id="{500F59F6-3BC6-4661-9F95-E1337A7C8479}" type="datetimeFigureOut">
               <a:rPr lang="zh-TW" altLang="en-US" smtClean="0"/>
-              <a:t>2023/9/14</a:t>
+              <a:t>2023/11/10</a:t>
             </a:fld>
             <a:endParaRPr lang="zh-TW" altLang="en-US"/>
           </a:p>
@@ -1965,7 +1965,7 @@
           <a:p>
             <a:fld id="{500F59F6-3BC6-4661-9F95-E1337A7C8479}" type="datetimeFigureOut">
               <a:rPr lang="zh-TW" altLang="en-US" smtClean="0"/>
-              <a:t>2023/9/14</a:t>
+              <a:t>2023/11/10</a:t>
             </a:fld>
             <a:endParaRPr lang="zh-TW" altLang="en-US"/>
           </a:p>
@@ -2078,7 +2078,7 @@
           <a:p>
             <a:fld id="{500F59F6-3BC6-4661-9F95-E1337A7C8479}" type="datetimeFigureOut">
               <a:rPr lang="zh-TW" altLang="en-US" smtClean="0"/>
-              <a:t>2023/9/14</a:t>
+              <a:t>2023/11/10</a:t>
             </a:fld>
             <a:endParaRPr lang="zh-TW" altLang="en-US"/>
           </a:p>
@@ -2389,7 +2389,7 @@
           <a:p>
             <a:fld id="{500F59F6-3BC6-4661-9F95-E1337A7C8479}" type="datetimeFigureOut">
               <a:rPr lang="zh-TW" altLang="en-US" smtClean="0"/>
-              <a:t>2023/9/14</a:t>
+              <a:t>2023/11/10</a:t>
             </a:fld>
             <a:endParaRPr lang="zh-TW" altLang="en-US"/>
           </a:p>
@@ -2677,7 +2677,7 @@
           <a:p>
             <a:fld id="{500F59F6-3BC6-4661-9F95-E1337A7C8479}" type="datetimeFigureOut">
               <a:rPr lang="zh-TW" altLang="en-US" smtClean="0"/>
-              <a:t>2023/9/14</a:t>
+              <a:t>2023/11/10</a:t>
             </a:fld>
             <a:endParaRPr lang="zh-TW" altLang="en-US"/>
           </a:p>
@@ -2918,7 +2918,7 @@
           <a:p>
             <a:fld id="{500F59F6-3BC6-4661-9F95-E1337A7C8479}" type="datetimeFigureOut">
               <a:rPr lang="zh-TW" altLang="en-US" smtClean="0"/>
-              <a:t>2023/9/14</a:t>
+              <a:t>2023/11/10</a:t>
             </a:fld>
             <a:endParaRPr lang="zh-TW" altLang="en-US"/>
           </a:p>
@@ -3451,6 +3451,17 @@
               </a:rPr>
               <a:t>學校名稱：</a:t>
             </a:r>
+            <a:r>
+              <a:rPr lang="zh-TW" altLang="en-US" sz="2400" dirty="0">
+                <a:latin typeface="微軟正黑體" panose="020B0604030504040204" pitchFamily="34" charset="-120"/>
+                <a:ea typeface="微軟正黑體" panose="020B0604030504040204" pitchFamily="34" charset="-120"/>
+              </a:rPr>
+              <a:t>國立臺北商業大學</a:t>
+            </a:r>
+            <a:endParaRPr lang="zh-TW" altLang="zh-TW" sz="2400" dirty="0">
+              <a:latin typeface="微軟正黑體" panose="020B0604030504040204" pitchFamily="34" charset="-120"/>
+              <a:ea typeface="微軟正黑體" panose="020B0604030504040204" pitchFamily="34" charset="-120"/>
+            </a:endParaRPr>
           </a:p>
           <a:p>
             <a:pPr>
@@ -3465,6 +3476,17 @@
               </a:rPr>
               <a:t>團隊名稱：</a:t>
             </a:r>
+            <a:r>
+              <a:rPr lang="en-US" altLang="zh-TW" sz="2400" dirty="0">
+                <a:latin typeface="微軟正黑體" panose="020B0604030504040204" pitchFamily="34" charset="-120"/>
+                <a:ea typeface="微軟正黑體" panose="020B0604030504040204" pitchFamily="34" charset="-120"/>
+              </a:rPr>
+              <a:t>0050.ntub</a:t>
+            </a:r>
+            <a:endParaRPr lang="zh-TW" altLang="zh-TW" sz="2400" dirty="0">
+              <a:latin typeface="微軟正黑體" panose="020B0604030504040204" pitchFamily="34" charset="-120"/>
+              <a:ea typeface="微軟正黑體" panose="020B0604030504040204" pitchFamily="34" charset="-120"/>
+            </a:endParaRPr>
           </a:p>
           <a:p>
             <a:pPr>
@@ -3479,6 +3501,20 @@
               </a:rPr>
               <a:t>企劃名稱：</a:t>
             </a:r>
+            <a:r>
+              <a:rPr lang="en-US" altLang="zh-TW" sz="2400" dirty="0" err="1">
+                <a:latin typeface="微軟正黑體" panose="020B0604030504040204" pitchFamily="34" charset="-120"/>
+                <a:ea typeface="微軟正黑體" panose="020B0604030504040204" pitchFamily="34" charset="-120"/>
+              </a:rPr>
+              <a:t>Ucard</a:t>
+            </a:r>
+            <a:r>
+              <a:rPr lang="zh-TW" altLang="en-US" sz="2400" dirty="0">
+                <a:latin typeface="微軟正黑體" panose="020B0604030504040204" pitchFamily="34" charset="-120"/>
+                <a:ea typeface="微軟正黑體" panose="020B0604030504040204" pitchFamily="34" charset="-120"/>
+              </a:rPr>
+              <a:t>優卡</a:t>
+            </a:r>
             <a:endParaRPr lang="en-US" altLang="zh-TW" sz="2400" dirty="0">
               <a:latin typeface="微軟正黑體" panose="020B0604030504040204" pitchFamily="34" charset="-120"/>
               <a:ea typeface="微軟正黑體" panose="020B0604030504040204" pitchFamily="34" charset="-120"/>
@@ -3495,7 +3531,7 @@
                 <a:latin typeface="微軟正黑體" panose="020B0604030504040204" pitchFamily="34" charset="-120"/>
                 <a:ea typeface="微軟正黑體" panose="020B0604030504040204" pitchFamily="34" charset="-120"/>
               </a:rPr>
-              <a:t>隊長：</a:t>
+              <a:t>隊長：林宜靜</a:t>
             </a:r>
             <a:endParaRPr lang="en-US" altLang="zh-TW" sz="2400" dirty="0">
               <a:latin typeface="微軟正黑體" panose="020B0604030504040204" pitchFamily="34" charset="-120"/>
@@ -3509,11 +3545,11 @@
               </a:spcAft>
             </a:pPr>
             <a:r>
-              <a:rPr lang="zh-TW" altLang="en-US" sz="2400" dirty="0">
-                <a:latin typeface="微軟正黑體" panose="020B0604030504040204" pitchFamily="34" charset="-120"/>
-                <a:ea typeface="微軟正黑體" panose="020B0604030504040204" pitchFamily="34" charset="-120"/>
-              </a:rPr>
-              <a:t>隊員：</a:t>
+              <a:rPr lang="zh-TW" altLang="en-US" sz="2400">
+                <a:latin typeface="微軟正黑體" panose="020B0604030504040204" pitchFamily="34" charset="-120"/>
+                <a:ea typeface="微軟正黑體" panose="020B0604030504040204" pitchFamily="34" charset="-120"/>
+              </a:rPr>
+              <a:t>隊員：林雅婕、吳采紋、林桂如、林柏丞</a:t>
             </a:r>
             <a:endParaRPr lang="zh-TW" altLang="zh-TW" sz="2400" dirty="0">
               <a:latin typeface="微軟正黑體" panose="020B0604030504040204" pitchFamily="34" charset="-120"/>
